--- a/lessons/Introduction.pptx
+++ b/lessons/Introduction.pptx
@@ -203,7 +203,7 @@
           <a:p>
             <a:fld id="{A80BF852-0B35-4181-8F89-C120F68FD4AD}" type="datetimeFigureOut">
               <a:rPr lang="en-US" smtClean="0"/>
-              <a:t>7/31/17</a:t>
+              <a:t>8/4/17</a:t>
             </a:fld>
             <a:endParaRPr lang="en-US"/>
           </a:p>
@@ -694,7 +694,7 @@
           <a:p>
             <a:fld id="{91BB74B9-E4CC-41FD-A3D0-7420CD350F74}" type="datetime4">
               <a:rPr lang="en-US" smtClean="0"/>
-              <a:t>July 31, 2017</a:t>
+              <a:t>August 4, 2017</a:t>
             </a:fld>
             <a:endParaRPr lang="en-US"/>
           </a:p>
@@ -867,7 +867,7 @@
           <a:p>
             <a:fld id="{FB51B112-FA0E-49F9-9720-AAF274D7D39F}" type="datetime4">
               <a:rPr lang="en-US" smtClean="0"/>
-              <a:t>July 31, 2017</a:t>
+              <a:t>August 4, 2017</a:t>
             </a:fld>
             <a:endParaRPr lang="en-US"/>
           </a:p>
@@ -1050,7 +1050,7 @@
           <a:p>
             <a:fld id="{F7170AC8-7017-44F9-BA15-07649191C86A}" type="datetime4">
               <a:rPr lang="en-US" smtClean="0"/>
-              <a:t>July 31, 2017</a:t>
+              <a:t>August 4, 2017</a:t>
             </a:fld>
             <a:endParaRPr lang="en-US"/>
           </a:p>
@@ -1223,7 +1223,7 @@
           <a:p>
             <a:fld id="{75FC45C7-7056-4268-B9B7-FDB0C19F8D00}" type="datetime4">
               <a:rPr lang="en-US" smtClean="0"/>
-              <a:t>July 31, 2017</a:t>
+              <a:t>August 4, 2017</a:t>
             </a:fld>
             <a:endParaRPr lang="en-US"/>
           </a:p>
@@ -1484,7 +1484,7 @@
           <a:p>
             <a:fld id="{CD0E1B8C-CAEF-41CE-960B-0EC46131E6CE}" type="datetime4">
               <a:rPr lang="en-US" smtClean="0"/>
-              <a:t>July 31, 2017</a:t>
+              <a:t>August 4, 2017</a:t>
             </a:fld>
             <a:endParaRPr lang="en-US"/>
           </a:p>
@@ -1775,7 +1775,7 @@
           <a:p>
             <a:fld id="{3A13BB5E-66B0-49E8-8BA0-C8864D9FB5B3}" type="datetime4">
               <a:rPr lang="en-US" smtClean="0"/>
-              <a:t>July 31, 2017</a:t>
+              <a:t>August 4, 2017</a:t>
             </a:fld>
             <a:endParaRPr lang="en-US"/>
           </a:p>
@@ -2220,7 +2220,7 @@
           <a:p>
             <a:fld id="{76A1685B-F839-4750-9D63-30D2EA4EC29B}" type="datetime4">
               <a:rPr lang="en-US" smtClean="0"/>
-              <a:t>July 31, 2017</a:t>
+              <a:t>August 4, 2017</a:t>
             </a:fld>
             <a:endParaRPr lang="en-US"/>
           </a:p>
@@ -2341,7 +2341,7 @@
           <a:p>
             <a:fld id="{FE2B757F-0564-48A9-9B8F-9F6E57CC2811}" type="datetime4">
               <a:rPr lang="en-US" smtClean="0"/>
-              <a:t>July 31, 2017</a:t>
+              <a:t>August 4, 2017</a:t>
             </a:fld>
             <a:endParaRPr lang="en-US"/>
           </a:p>
@@ -2439,7 +2439,7 @@
           <a:p>
             <a:fld id="{1A605CDF-223F-4423-ACD9-4A5EA43D8762}" type="datetime4">
               <a:rPr lang="en-US" smtClean="0"/>
-              <a:t>July 31, 2017</a:t>
+              <a:t>August 4, 2017</a:t>
             </a:fld>
             <a:endParaRPr lang="en-US"/>
           </a:p>
@@ -2733,7 +2733,7 @@
           <a:p>
             <a:fld id="{760BE593-58F2-4C8C-808B-79665C05BC9D}" type="datetime4">
               <a:rPr lang="en-US" smtClean="0"/>
-              <a:t>July 31, 2017</a:t>
+              <a:t>August 4, 2017</a:t>
             </a:fld>
             <a:endParaRPr lang="en-US"/>
           </a:p>
@@ -3012,7 +3012,7 @@
           <a:p>
             <a:fld id="{92968086-8624-4640-9943-005ED0CED46A}" type="datetime4">
               <a:rPr lang="en-US" smtClean="0"/>
-              <a:t>July 31, 2017</a:t>
+              <a:t>August 4, 2017</a:t>
             </a:fld>
             <a:endParaRPr lang="en-US"/>
           </a:p>
@@ -3312,7 +3312,7 @@
           <a:p>
             <a:fld id="{40D31560-C23C-45BD-ABC6-16588BA79ADB}" type="datetime4">
               <a:rPr lang="en-US" smtClean="0"/>
-              <a:t>July 31, 2017</a:t>
+              <a:t>August 4, 2017</a:t>
             </a:fld>
             <a:endParaRPr lang="en-US"/>
           </a:p>
@@ -3803,7 +3803,7 @@
           <p:cNvPr id="2" name="Title 1">
             <a:extLst>
               <a:ext uri="{FF2B5EF4-FFF2-40B4-BE49-F238E27FC236}">
-                <a16:creationId xmlns:a16="http://schemas.microsoft.com/office/drawing/2014/main" xmlns="" id="{266F6E48-F8AA-4C4C-A92F-38C478094770}"/>
+                <a16:creationId xmlns="" xmlns:a16="http://schemas.microsoft.com/office/drawing/2014/main" id="{266F6E48-F8AA-4C4C-A92F-38C478094770}"/>
               </a:ext>
             </a:extLst>
           </p:cNvPr>
@@ -3831,7 +3831,7 @@
           <p:cNvPr id="3" name="Subtitle 2">
             <a:extLst>
               <a:ext uri="{FF2B5EF4-FFF2-40B4-BE49-F238E27FC236}">
-                <a16:creationId xmlns:a16="http://schemas.microsoft.com/office/drawing/2014/main" xmlns="" id="{1EB48ABA-1BE6-47A0-A21A-5B3E45D97ACD}"/>
+                <a16:creationId xmlns="" xmlns:a16="http://schemas.microsoft.com/office/drawing/2014/main" id="{1EB48ABA-1BE6-47A0-A21A-5B3E45D97ACD}"/>
               </a:ext>
             </a:extLst>
           </p:cNvPr>
@@ -3859,7 +3859,7 @@
           <p:cNvPr id="5" name="Picture 4">
             <a:extLst>
               <a:ext uri="{FF2B5EF4-FFF2-40B4-BE49-F238E27FC236}">
-                <a16:creationId xmlns:a16="http://schemas.microsoft.com/office/drawing/2014/main" xmlns="" id="{0E0D2A58-CC73-42C9-86D1-90D7D1E2DD05}"/>
+                <a16:creationId xmlns="" xmlns:a16="http://schemas.microsoft.com/office/drawing/2014/main" id="{0E0D2A58-CC73-42C9-86D1-90D7D1E2DD05}"/>
               </a:ext>
             </a:extLst>
           </p:cNvPr>
@@ -3895,7 +3895,7 @@
           <p:cNvPr id="7" name="Picture 6" descr="A close up of a logo&#10;&#10;Description generated with very high confidence">
             <a:extLst>
               <a:ext uri="{FF2B5EF4-FFF2-40B4-BE49-F238E27FC236}">
-                <a16:creationId xmlns:a16="http://schemas.microsoft.com/office/drawing/2014/main" xmlns="" id="{F8AFD529-99AA-4F1E-8D92-108E582E5438}"/>
+                <a16:creationId xmlns="" xmlns:a16="http://schemas.microsoft.com/office/drawing/2014/main" id="{F8AFD529-99AA-4F1E-8D92-108E582E5438}"/>
               </a:ext>
             </a:extLst>
           </p:cNvPr>
@@ -3931,7 +3931,7 @@
           <p:cNvPr id="9" name="Picture 8" descr="A screenshot of a cell phone&#10;&#10;Description generated with very high confidence">
             <a:extLst>
               <a:ext uri="{FF2B5EF4-FFF2-40B4-BE49-F238E27FC236}">
-                <a16:creationId xmlns:a16="http://schemas.microsoft.com/office/drawing/2014/main" xmlns="" id="{E0032401-E9C0-4968-877D-5C9591C17441}"/>
+                <a16:creationId xmlns="" xmlns:a16="http://schemas.microsoft.com/office/drawing/2014/main" id="{E0032401-E9C0-4968-877D-5C9591C17441}"/>
               </a:ext>
             </a:extLst>
           </p:cNvPr>
@@ -3997,7 +3997,7 @@
           <p:cNvPr id="7" name="Picture 6" descr="A picture containing indoor, electronics&#10;&#10;Description generated with very high confidence">
             <a:extLst>
               <a:ext uri="{FF2B5EF4-FFF2-40B4-BE49-F238E27FC236}">
-                <a16:creationId xmlns:a16="http://schemas.microsoft.com/office/drawing/2014/main" xmlns="" id="{A71FAA43-3D26-4B0C-873C-E6C83E3C1048}"/>
+                <a16:creationId xmlns="" xmlns:a16="http://schemas.microsoft.com/office/drawing/2014/main" id="{A71FAA43-3D26-4B0C-873C-E6C83E3C1048}"/>
               </a:ext>
             </a:extLst>
           </p:cNvPr>
@@ -4033,7 +4033,7 @@
           <p:cNvPr id="5122" name="Picture 2" descr="Related image">
             <a:extLst>
               <a:ext uri="{FF2B5EF4-FFF2-40B4-BE49-F238E27FC236}">
-                <a16:creationId xmlns:a16="http://schemas.microsoft.com/office/drawing/2014/main" xmlns="" id="{DF9D57F7-348A-4479-A8ED-92FB5D2EBBD7}"/>
+                <a16:creationId xmlns="" xmlns:a16="http://schemas.microsoft.com/office/drawing/2014/main" id="{DF9D57F7-348A-4479-A8ED-92FB5D2EBBD7}"/>
               </a:ext>
             </a:extLst>
           </p:cNvPr>
@@ -4090,7 +4090,7 @@
           <p:cNvPr id="2" name="Title 1">
             <a:extLst>
               <a:ext uri="{FF2B5EF4-FFF2-40B4-BE49-F238E27FC236}">
-                <a16:creationId xmlns:a16="http://schemas.microsoft.com/office/drawing/2014/main" xmlns="" id="{FEF15EAF-9BF0-4BB6-B49A-6FD08418FEA7}"/>
+                <a16:creationId xmlns="" xmlns:a16="http://schemas.microsoft.com/office/drawing/2014/main" id="{FEF15EAF-9BF0-4BB6-B49A-6FD08418FEA7}"/>
               </a:ext>
             </a:extLst>
           </p:cNvPr>
@@ -4118,7 +4118,7 @@
           <p:cNvPr id="3" name="Content Placeholder 2">
             <a:extLst>
               <a:ext uri="{FF2B5EF4-FFF2-40B4-BE49-F238E27FC236}">
-                <a16:creationId xmlns:a16="http://schemas.microsoft.com/office/drawing/2014/main" xmlns="" id="{4ECD3AEB-DE85-44D7-935E-3A7DA5384E0F}"/>
+                <a16:creationId xmlns="" xmlns:a16="http://schemas.microsoft.com/office/drawing/2014/main" id="{4ECD3AEB-DE85-44D7-935E-3A7DA5384E0F}"/>
               </a:ext>
             </a:extLst>
           </p:cNvPr>
@@ -4225,7 +4225,7 @@
           <p:cNvPr id="8" name="TextBox 7">
             <a:extLst>
               <a:ext uri="{FF2B5EF4-FFF2-40B4-BE49-F238E27FC236}">
-                <a16:creationId xmlns:a16="http://schemas.microsoft.com/office/drawing/2014/main" xmlns="" id="{A5ABA6D5-7254-41D0-AFDD-4026BA3C3A83}"/>
+                <a16:creationId xmlns="" xmlns:a16="http://schemas.microsoft.com/office/drawing/2014/main" id="{A5ABA6D5-7254-41D0-AFDD-4026BA3C3A83}"/>
               </a:ext>
             </a:extLst>
           </p:cNvPr>
@@ -4260,7 +4260,7 @@
           <p:cNvPr id="9" name="Footer Placeholder 8">
             <a:extLst>
               <a:ext uri="{FF2B5EF4-FFF2-40B4-BE49-F238E27FC236}">
-                <a16:creationId xmlns:a16="http://schemas.microsoft.com/office/drawing/2014/main" xmlns="" id="{4A5A833A-803E-406F-9E74-6784ED59CF65}"/>
+                <a16:creationId xmlns="" xmlns:a16="http://schemas.microsoft.com/office/drawing/2014/main" id="{4A5A833A-803E-406F-9E74-6784ED59CF65}"/>
               </a:ext>
             </a:extLst>
           </p:cNvPr>
@@ -4288,7 +4288,7 @@
           <p:cNvPr id="10" name="Slide Number Placeholder 9">
             <a:extLst>
               <a:ext uri="{FF2B5EF4-FFF2-40B4-BE49-F238E27FC236}">
-                <a16:creationId xmlns:a16="http://schemas.microsoft.com/office/drawing/2014/main" xmlns="" id="{7B13A66B-EC8C-4876-B304-EBE856639B97}"/>
+                <a16:creationId xmlns="" xmlns:a16="http://schemas.microsoft.com/office/drawing/2014/main" id="{7B13A66B-EC8C-4876-B304-EBE856639B97}"/>
               </a:ext>
             </a:extLst>
           </p:cNvPr>
@@ -4317,7 +4317,7 @@
           <p:cNvPr id="11" name="Date Placeholder 10">
             <a:extLst>
               <a:ext uri="{FF2B5EF4-FFF2-40B4-BE49-F238E27FC236}">
-                <a16:creationId xmlns:a16="http://schemas.microsoft.com/office/drawing/2014/main" xmlns="" id="{77B5235E-5E34-4E32-B67B-B026F075466F}"/>
+                <a16:creationId xmlns="" xmlns:a16="http://schemas.microsoft.com/office/drawing/2014/main" id="{77B5235E-5E34-4E32-B67B-B026F075466F}"/>
               </a:ext>
             </a:extLst>
           </p:cNvPr>
@@ -4335,7 +4335,7 @@
           <a:p>
             <a:fld id="{1D086926-D09A-4025-BADC-3D068A5DBABC}" type="datetime4">
               <a:rPr lang="en-US" smtClean="0"/>
-              <a:t>July 31, 2017</a:t>
+              <a:t>August 4, 2017</a:t>
             </a:fld>
             <a:endParaRPr lang="en-US"/>
           </a:p>
@@ -4376,7 +4376,7 @@
           <p:cNvPr id="2" name="Title 1">
             <a:extLst>
               <a:ext uri="{FF2B5EF4-FFF2-40B4-BE49-F238E27FC236}">
-                <a16:creationId xmlns:a16="http://schemas.microsoft.com/office/drawing/2014/main" xmlns="" id="{C2D179BE-57E2-45C9-8017-13F4AEEAE471}"/>
+                <a16:creationId xmlns="" xmlns:a16="http://schemas.microsoft.com/office/drawing/2014/main" id="{C2D179BE-57E2-45C9-8017-13F4AEEAE471}"/>
               </a:ext>
             </a:extLst>
           </p:cNvPr>
@@ -4404,7 +4404,7 @@
           <p:cNvPr id="3" name="Content Placeholder 2">
             <a:extLst>
               <a:ext uri="{FF2B5EF4-FFF2-40B4-BE49-F238E27FC236}">
-                <a16:creationId xmlns:a16="http://schemas.microsoft.com/office/drawing/2014/main" xmlns="" id="{119D9175-C511-45C9-A7BA-350126F0D51E}"/>
+                <a16:creationId xmlns="" xmlns:a16="http://schemas.microsoft.com/office/drawing/2014/main" id="{119D9175-C511-45C9-A7BA-350126F0D51E}"/>
               </a:ext>
             </a:extLst>
           </p:cNvPr>
@@ -4487,7 +4487,7 @@
           <p:cNvPr id="5" name="Picture 4" descr="Screen Clipping">
             <a:extLst>
               <a:ext uri="{FF2B5EF4-FFF2-40B4-BE49-F238E27FC236}">
-                <a16:creationId xmlns:a16="http://schemas.microsoft.com/office/drawing/2014/main" xmlns="" id="{9035322D-1345-4C7D-B2DA-E826C877542C}"/>
+                <a16:creationId xmlns="" xmlns:a16="http://schemas.microsoft.com/office/drawing/2014/main" id="{9035322D-1345-4C7D-B2DA-E826C877542C}"/>
               </a:ext>
             </a:extLst>
           </p:cNvPr>
@@ -4528,7 +4528,7 @@
           <p:cNvPr id="6" name="Footer Placeholder 5">
             <a:extLst>
               <a:ext uri="{FF2B5EF4-FFF2-40B4-BE49-F238E27FC236}">
-                <a16:creationId xmlns:a16="http://schemas.microsoft.com/office/drawing/2014/main" xmlns="" id="{C198E82E-7707-4D96-A69E-B1B63AAFC7BB}"/>
+                <a16:creationId xmlns="" xmlns:a16="http://schemas.microsoft.com/office/drawing/2014/main" id="{C198E82E-7707-4D96-A69E-B1B63AAFC7BB}"/>
               </a:ext>
             </a:extLst>
           </p:cNvPr>
@@ -4556,7 +4556,7 @@
           <p:cNvPr id="7" name="Slide Number Placeholder 6">
             <a:extLst>
               <a:ext uri="{FF2B5EF4-FFF2-40B4-BE49-F238E27FC236}">
-                <a16:creationId xmlns:a16="http://schemas.microsoft.com/office/drawing/2014/main" xmlns="" id="{E4CFFF97-8C13-4226-ACFB-F526422EC308}"/>
+                <a16:creationId xmlns="" xmlns:a16="http://schemas.microsoft.com/office/drawing/2014/main" id="{E4CFFF97-8C13-4226-ACFB-F526422EC308}"/>
               </a:ext>
             </a:extLst>
           </p:cNvPr>
@@ -4585,7 +4585,7 @@
           <p:cNvPr id="8" name="Date Placeholder 7">
             <a:extLst>
               <a:ext uri="{FF2B5EF4-FFF2-40B4-BE49-F238E27FC236}">
-                <a16:creationId xmlns:a16="http://schemas.microsoft.com/office/drawing/2014/main" xmlns="" id="{A4CE3520-83B2-4AD6-9530-B231BA9F7F79}"/>
+                <a16:creationId xmlns="" xmlns:a16="http://schemas.microsoft.com/office/drawing/2014/main" id="{A4CE3520-83B2-4AD6-9530-B231BA9F7F79}"/>
               </a:ext>
             </a:extLst>
           </p:cNvPr>
@@ -4603,7 +4603,7 @@
           <a:p>
             <a:fld id="{9FCACA22-A46C-4EDB-B7D0-75D3046DA853}" type="datetime4">
               <a:rPr lang="en-US" smtClean="0"/>
-              <a:t>July 31, 2017</a:t>
+              <a:t>August 4, 2017</a:t>
             </a:fld>
             <a:endParaRPr lang="en-US"/>
           </a:p>
@@ -4644,7 +4644,7 @@
           <p:cNvPr id="2" name="Title 1">
             <a:extLst>
               <a:ext uri="{FF2B5EF4-FFF2-40B4-BE49-F238E27FC236}">
-                <a16:creationId xmlns:a16="http://schemas.microsoft.com/office/drawing/2014/main" xmlns="" id="{AD8BA6F2-2439-427D-8313-91BC716CA615}"/>
+                <a16:creationId xmlns="" xmlns:a16="http://schemas.microsoft.com/office/drawing/2014/main" id="{AD8BA6F2-2439-427D-8313-91BC716CA615}"/>
               </a:ext>
             </a:extLst>
           </p:cNvPr>
@@ -4672,7 +4672,7 @@
           <p:cNvPr id="3" name="Content Placeholder 2">
             <a:extLst>
               <a:ext uri="{FF2B5EF4-FFF2-40B4-BE49-F238E27FC236}">
-                <a16:creationId xmlns:a16="http://schemas.microsoft.com/office/drawing/2014/main" xmlns="" id="{8E0D723D-E46A-4BDD-8B82-EA962848EAD4}"/>
+                <a16:creationId xmlns="" xmlns:a16="http://schemas.microsoft.com/office/drawing/2014/main" id="{8E0D723D-E46A-4BDD-8B82-EA962848EAD4}"/>
               </a:ext>
             </a:extLst>
           </p:cNvPr>
@@ -4701,11 +4701,7 @@
             </a:r>
             <a:r>
               <a:rPr lang="en-US" dirty="0"/>
-              <a:t>by building the “Getting Started  </a:t>
-            </a:r>
-            <a:r>
-              <a:rPr lang="en-US" dirty="0"/>
-              <a:t>Vehicle</a:t>
+              <a:t>by building the “Getting Started  Vehicle</a:t>
             </a:r>
             <a:r>
               <a:rPr lang="en-US" dirty="0" smtClean="0"/>
@@ -4725,38 +4721,35 @@
               <a:rPr lang="en-US" dirty="0" smtClean="0"/>
               <a:t>models.</a:t>
             </a:r>
-            <a:endParaRPr lang="en-US" dirty="0" smtClean="0"/>
-          </a:p>
-          <a:p>
+          </a:p>
+          <a:p>
+            <a:r>
+              <a:rPr lang="en-US" dirty="0"/>
+              <a:t>The BOOST experience is centered around </a:t>
+            </a:r>
             <a:r>
               <a:rPr lang="en-US" dirty="0" smtClean="0"/>
-              <a:t>Alternatively</a:t>
+              <a:t>the concept of </a:t>
             </a:r>
             <a:r>
               <a:rPr lang="en-US" dirty="0"/>
-              <a:t>, you can use the PDF instructions available </a:t>
-            </a:r>
-            <a:r>
-              <a:rPr lang="en-US" dirty="0" smtClean="0"/>
-              <a:t>here: </a:t>
-            </a:r>
-            <a:r>
-              <a:rPr lang="en-US" dirty="0" smtClean="0">
-                <a:hlinkClick r:id="rId2"/>
-              </a:rPr>
-              <a:t>http</a:t>
-            </a:r>
-            <a:r>
-              <a:rPr lang="en-US" dirty="0">
-                <a:hlinkClick r:id="rId2"/>
-              </a:rPr>
-              <a:t>://</a:t>
-            </a:r>
-            <a:r>
-              <a:rPr lang="en-US" dirty="0" smtClean="0">
-                <a:hlinkClick r:id="rId2"/>
-              </a:rPr>
-              <a:t>www.boostlessons.com/robots.html</a:t>
+              <a:t>Build-Code-Play. Users should to begin to </a:t>
+            </a:r>
+            <a:r>
+              <a:rPr lang="en-US"/>
+              <a:t>code </a:t>
+            </a:r>
+            <a:r>
+              <a:rPr lang="en-US" smtClean="0"/>
+              <a:t>each model’s </a:t>
+            </a:r>
+            <a:r>
+              <a:rPr lang="en-US"/>
+              <a:t>behavior </a:t>
+            </a:r>
+            <a:r>
+              <a:rPr lang="en-US" smtClean="0"/>
+              <a:t>when indicated within the App.</a:t>
             </a:r>
             <a:endParaRPr lang="en-US" dirty="0"/>
           </a:p>
@@ -4767,7 +4760,7 @@
           <p:cNvPr id="5" name="Picture 4" descr="Screen Clipping">
             <a:extLst>
               <a:ext uri="{FF2B5EF4-FFF2-40B4-BE49-F238E27FC236}">
-                <a16:creationId xmlns:a16="http://schemas.microsoft.com/office/drawing/2014/main" xmlns="" id="{58E5907C-6790-4BC7-8E41-2B836634B705}"/>
+                <a16:creationId xmlns="" xmlns:a16="http://schemas.microsoft.com/office/drawing/2014/main" id="{58E5907C-6790-4BC7-8E41-2B836634B705}"/>
               </a:ext>
             </a:extLst>
           </p:cNvPr>
@@ -4777,7 +4770,7 @@
           <p:nvPr/>
         </p:nvPicPr>
         <p:blipFill>
-          <a:blip r:embed="rId3" cstate="print">
+          <a:blip r:embed="rId2" cstate="print">
             <a:extLst>
               <a:ext uri="{28A0092B-C50C-407E-A947-70E740481C1C}">
                 <a14:useLocalDpi xmlns:a14="http://schemas.microsoft.com/office/drawing/2010/main"/>
@@ -4803,7 +4796,7 @@
           <p:cNvPr id="6" name="Footer Placeholder 5">
             <a:extLst>
               <a:ext uri="{FF2B5EF4-FFF2-40B4-BE49-F238E27FC236}">
-                <a16:creationId xmlns:a16="http://schemas.microsoft.com/office/drawing/2014/main" xmlns="" id="{BB89A4CF-661E-4F72-A4AB-84F34A4D6336}"/>
+                <a16:creationId xmlns="" xmlns:a16="http://schemas.microsoft.com/office/drawing/2014/main" id="{BB89A4CF-661E-4F72-A4AB-84F34A4D6336}"/>
               </a:ext>
             </a:extLst>
           </p:cNvPr>
@@ -4836,7 +4829,7 @@
           <p:cNvPr id="7" name="Slide Number Placeholder 6">
             <a:extLst>
               <a:ext uri="{FF2B5EF4-FFF2-40B4-BE49-F238E27FC236}">
-                <a16:creationId xmlns:a16="http://schemas.microsoft.com/office/drawing/2014/main" xmlns="" id="{88D999F2-2AB6-4EA9-A88D-AB194BE68641}"/>
+                <a16:creationId xmlns="" xmlns:a16="http://schemas.microsoft.com/office/drawing/2014/main" id="{88D999F2-2AB6-4EA9-A88D-AB194BE68641}"/>
               </a:ext>
             </a:extLst>
           </p:cNvPr>
@@ -4865,7 +4858,7 @@
           <p:cNvPr id="8" name="Date Placeholder 7">
             <a:extLst>
               <a:ext uri="{FF2B5EF4-FFF2-40B4-BE49-F238E27FC236}">
-                <a16:creationId xmlns:a16="http://schemas.microsoft.com/office/drawing/2014/main" xmlns="" id="{3A94F93A-AAEC-47A8-8FC3-CD4D97A77146}"/>
+                <a16:creationId xmlns="" xmlns:a16="http://schemas.microsoft.com/office/drawing/2014/main" id="{3A94F93A-AAEC-47A8-8FC3-CD4D97A77146}"/>
               </a:ext>
             </a:extLst>
           </p:cNvPr>
@@ -4883,7 +4876,7 @@
           <a:p>
             <a:fld id="{74F73A6F-1CAC-4303-88A1-9772672B7838}" type="datetime4">
               <a:rPr lang="en-US" smtClean="0"/>
-              <a:t>July 31, 2017</a:t>
+              <a:t>August 4, 2017</a:t>
             </a:fld>
             <a:endParaRPr lang="en-US"/>
           </a:p>
@@ -4894,7 +4887,7 @@
           <p:cNvPr id="9" name="TextBox 8">
             <a:extLst>
               <a:ext uri="{FF2B5EF4-FFF2-40B4-BE49-F238E27FC236}">
-                <a16:creationId xmlns:a16="http://schemas.microsoft.com/office/drawing/2014/main" xmlns="" id="{2EC079A5-8511-4D4F-9920-E29D00E2CD31}"/>
+                <a16:creationId xmlns="" xmlns:a16="http://schemas.microsoft.com/office/drawing/2014/main" id="{2EC079A5-8511-4D4F-9920-E29D00E2CD31}"/>
               </a:ext>
             </a:extLst>
           </p:cNvPr>
@@ -4929,7 +4922,7 @@
           <p:cNvPr id="10" name="Picture 10" descr="https://attachment.outlook.office.net/owa/sanjay.seshan@outlook.com/service.svc/s/GetFileAttachment?id=AQMkADAwATM3ZmYAZS1kMDcwLWIyNmQtMDACLTAwCgBGAAADTl%2Bxu6Ms7EO4q7pueYGWvQcARoeroH9A5k%2BRsZwhfqn3pQAAAgEMAAAARoeroH9A5k%2BRsZwhfqn3pQABsAOOdgAAAAESABAAF8PSWNW62E2kyjtTmemiFQ%3D%3D&amp;X-OWA-CANARY=44ziQW6GsEWdBkdXjSQdiHAFWR6P19QY74HZqjBC7eV0LvGojGzFCFifjGRyuezXYC0zrn2ZMGM.&amp;token=eyJ0eXAiOiJKV1QiLCJhbGciOiJSUzI1NiIsIng1dCI6ImVuaDlCSnJWUFU1aWpWMXFqWmpWLWZMMmJjbyJ9.eyJ2ZXIiOiJFeGNoYW5nZS5DYWxsYmFjay5WMSIsImFwcGN0eHNlbmRlciI6Ik93YURvd25sb2FkQDg0ZGY5ZTdmLWU5ZjYtNDBhZi1iNDM1LWFhYWFhYWFhYWFhYSIsImFwcGN0eCI6IntcIm1zZXhjaHByb3RcIjpcIm93YVwiLFwicHJpbWFyeXNpZFwiOlwiUy0xLTI4MjctMjI5Mzc0LTM0OTcwNDY2MzdcIixcInB1aWRcIjpcIjk4NTE1NzMyNTU5OTM0MVwiLFwib2lkXCI6XCIwMDAzN2ZmZS1kMDcwLWIyNmQtMDAwMC0wMDAwMDAwMDAwMDBcIixcInNjb3BlXCI6XCJPd2FEb3dubG9hZFwifSIsImlzcyI6IjAwMDAwMDAyLTAwMDAtMGZmMS1jZTAwLTAwMDAwMDAwMDAwMEA4NGRmOWU3Zi1lOWY2LTQwYWYtYjQzNS1hYWFhYWFhYWFhYWEiLCJhdWQiOiIwMDAwMDAwMi0wMDAwLTBmZjEtY2UwMC0wMDAwMDAwMDAwMDAvYXR0YWNobWVudC5vdXRsb29rLm9mZmljZS5uZXRAODRkZjllN2YtZTlmNi00MGFmLWI0MzUtYWFhYWFhYWFhYWFhIiwiZXhwIjoxNTAxNDQ5NTAyLCJuYmYiOjE1MDE0NDg5MDJ9.gmKE5tHjlg25p3ngImLpg77hLDJPLRcd3ZHKzGy9ow_mCJd3NEYRur2PeD8XamvZZKV_K7oNZElu41wfOoWa8qh0asubZXRVLwxnsju1tC3xnzj2LF50-3BI8TPZP58DLLotho-wdgDdismLR2Z0rO7sUmOrgGK18QPVTFY0xfD3cx6XXmrOKZIIhkfcXc4ImBtNF6edbnFYMX51QnLri1NNlUkgZ5WfV7-HJGLbZZ6r-ya7rE4c-0grCguu_90oHrBQaf7DYB8SQnv3C5C3oYVH4NqvkrCgrksV6yV_YcVYqzG0qYfWFny-fTZ-EaG_4gl23J4zzMCWTidCd0gE2g&amp;owa=outlook.live.com&amp;isc=1&amp;isImagePreview=True">
             <a:extLst>
               <a:ext uri="{FF2B5EF4-FFF2-40B4-BE49-F238E27FC236}">
-                <a16:creationId xmlns:a16="http://schemas.microsoft.com/office/drawing/2014/main" xmlns="" id="{CCBEFBC3-1BB5-4E0A-ACC8-D4D11A3948AF}"/>
+                <a16:creationId xmlns="" xmlns:a16="http://schemas.microsoft.com/office/drawing/2014/main" id="{CCBEFBC3-1BB5-4E0A-ACC8-D4D11A3948AF}"/>
               </a:ext>
             </a:extLst>
           </p:cNvPr>
@@ -4939,7 +4932,7 @@
           <p:nvPr/>
         </p:nvPicPr>
         <p:blipFill>
-          <a:blip r:embed="rId4" cstate="print">
+          <a:blip r:embed="rId3" cstate="print">
             <a:extLst>
               <a:ext uri="{28A0092B-C50C-407E-A947-70E740481C1C}">
                 <a14:useLocalDpi xmlns:a14="http://schemas.microsoft.com/office/drawing/2010/main"/>
@@ -5006,7 +4999,7 @@
           <p:cNvPr id="2052" name="Picture 4" descr="https://attachment.outlook.office.net/owa/sanjay.seshan@outlook.com/service.svc/s/GetFileAttachment?id=AQMkADAwATM3ZmYAZS1kMDcwLWIyNmQtMDACLTAwCgBGAAADTl%2Bxu6Ms7EO4q7pueYGWvQcARoeroH9A5k%2BRsZwhfqn3pQAAAgEMAAAARoeroH9A5k%2BRsZwhfqn3pQABsAOOdgAAAAESABAA6nwMWwe3J0eEZZttQNpIhw%3D%3D&amp;X-OWA-CANARY=44ziQW6GsEWdBkdXjSQdiHAFWR6P19QY74HZqjBC7eV0LvGojGzFCFifjGRyuezXYC0zrn2ZMGM.&amp;token=eyJ0eXAiOiJKV1QiLCJhbGciOiJSUzI1NiIsIng1dCI6ImVuaDlCSnJWUFU1aWpWMXFqWmpWLWZMMmJjbyJ9.eyJ2ZXIiOiJFeGNoYW5nZS5DYWxsYmFjay5WMSIsImFwcGN0eHNlbmRlciI6Ik93YURvd25sb2FkQDg0ZGY5ZTdmLWU5ZjYtNDBhZi1iNDM1LWFhYWFhYWFhYWFhYSIsImFwcGN0eCI6IntcIm1zZXhjaHByb3RcIjpcIm93YVwiLFwicHJpbWFyeXNpZFwiOlwiUy0xLTI4MjctMjI5Mzc0LTM0OTcwNDY2MzdcIixcInB1aWRcIjpcIjk4NTE1NzMyNTU5OTM0MVwiLFwib2lkXCI6XCIwMDAzN2ZmZS1kMDcwLWIyNmQtMDAwMC0wMDAwMDAwMDAwMDBcIixcInNjb3BlXCI6XCJPd2FEb3dubG9hZFwifSIsImlzcyI6IjAwMDAwMDAyLTAwMDAtMGZmMS1jZTAwLTAwMDAwMDAwMDAwMEA4NGRmOWU3Zi1lOWY2LTQwYWYtYjQzNS1hYWFhYWFhYWFhYWEiLCJhdWQiOiIwMDAwMDAwMi0wMDAwLTBmZjEtY2UwMC0wMDAwMDAwMDAwMDAvYXR0YWNobWVudC5vdXRsb29rLm9mZmljZS5uZXRAODRkZjllN2YtZTlmNi00MGFmLWI0MzUtYWFhYWFhYWFhYWFhIiwiZXhwIjoxNTAxNDQ5NTAyLCJuYmYiOjE1MDE0NDg5MDJ9.gmKE5tHjlg25p3ngImLpg77hLDJPLRcd3ZHKzGy9ow_mCJd3NEYRur2PeD8XamvZZKV_K7oNZElu41wfOoWa8qh0asubZXRVLwxnsju1tC3xnzj2LF50-3BI8TPZP58DLLotho-wdgDdismLR2Z0rO7sUmOrgGK18QPVTFY0xfD3cx6XXmrOKZIIhkfcXc4ImBtNF6edbnFYMX51QnLri1NNlUkgZ5WfV7-HJGLbZZ6r-ya7rE4c-0grCguu_90oHrBQaf7DYB8SQnv3C5C3oYVH4NqvkrCgrksV6yV_YcVYqzG0qYfWFny-fTZ-EaG_4gl23J4zzMCWTidCd0gE2g&amp;owa=outlook.live.com&amp;isc=1&amp;isImagePreview=True">
             <a:extLst>
               <a:ext uri="{FF2B5EF4-FFF2-40B4-BE49-F238E27FC236}">
-                <a16:creationId xmlns:a16="http://schemas.microsoft.com/office/drawing/2014/main" xmlns="" id="{87F1D5BC-7D10-4A49-A0DB-8499F29281ED}"/>
+                <a16:creationId xmlns="" xmlns:a16="http://schemas.microsoft.com/office/drawing/2014/main" id="{87F1D5BC-7D10-4A49-A0DB-8499F29281ED}"/>
               </a:ext>
             </a:extLst>
           </p:cNvPr>
@@ -5053,7 +5046,7 @@
           <p:cNvPr id="2" name="Title 1">
             <a:extLst>
               <a:ext uri="{FF2B5EF4-FFF2-40B4-BE49-F238E27FC236}">
-                <a16:creationId xmlns:a16="http://schemas.microsoft.com/office/drawing/2014/main" xmlns="" id="{D7B4C9D9-E0AE-4F9A-B973-475B632E1303}"/>
+                <a16:creationId xmlns="" xmlns:a16="http://schemas.microsoft.com/office/drawing/2014/main" id="{D7B4C9D9-E0AE-4F9A-B973-475B632E1303}"/>
               </a:ext>
             </a:extLst>
           </p:cNvPr>
@@ -5081,7 +5074,7 @@
           <p:cNvPr id="2058" name="Picture 10" descr="https://attachment.outlook.office.net/owa/sanjay.seshan@outlook.com/service.svc/s/GetFileAttachment?id=AQMkADAwATM3ZmYAZS1kMDcwLWIyNmQtMDACLTAwCgBGAAADTl%2Bxu6Ms7EO4q7pueYGWvQcARoeroH9A5k%2BRsZwhfqn3pQAAAgEMAAAARoeroH9A5k%2BRsZwhfqn3pQABsAOOdgAAAAESABAAF8PSWNW62E2kyjtTmemiFQ%3D%3D&amp;X-OWA-CANARY=44ziQW6GsEWdBkdXjSQdiHAFWR6P19QY74HZqjBC7eV0LvGojGzFCFifjGRyuezXYC0zrn2ZMGM.&amp;token=eyJ0eXAiOiJKV1QiLCJhbGciOiJSUzI1NiIsIng1dCI6ImVuaDlCSnJWUFU1aWpWMXFqWmpWLWZMMmJjbyJ9.eyJ2ZXIiOiJFeGNoYW5nZS5DYWxsYmFjay5WMSIsImFwcGN0eHNlbmRlciI6Ik93YURvd25sb2FkQDg0ZGY5ZTdmLWU5ZjYtNDBhZi1iNDM1LWFhYWFhYWFhYWFhYSIsImFwcGN0eCI6IntcIm1zZXhjaHByb3RcIjpcIm93YVwiLFwicHJpbWFyeXNpZFwiOlwiUy0xLTI4MjctMjI5Mzc0LTM0OTcwNDY2MzdcIixcInB1aWRcIjpcIjk4NTE1NzMyNTU5OTM0MVwiLFwib2lkXCI6XCIwMDAzN2ZmZS1kMDcwLWIyNmQtMDAwMC0wMDAwMDAwMDAwMDBcIixcInNjb3BlXCI6XCJPd2FEb3dubG9hZFwifSIsImlzcyI6IjAwMDAwMDAyLTAwMDAtMGZmMS1jZTAwLTAwMDAwMDAwMDAwMEA4NGRmOWU3Zi1lOWY2LTQwYWYtYjQzNS1hYWFhYWFhYWFhYWEiLCJhdWQiOiIwMDAwMDAwMi0wMDAwLTBmZjEtY2UwMC0wMDAwMDAwMDAwMDAvYXR0YWNobWVudC5vdXRsb29rLm9mZmljZS5uZXRAODRkZjllN2YtZTlmNi00MGFmLWI0MzUtYWFhYWFhYWFhYWFhIiwiZXhwIjoxNTAxNDQ5NTAyLCJuYmYiOjE1MDE0NDg5MDJ9.gmKE5tHjlg25p3ngImLpg77hLDJPLRcd3ZHKzGy9ow_mCJd3NEYRur2PeD8XamvZZKV_K7oNZElu41wfOoWa8qh0asubZXRVLwxnsju1tC3xnzj2LF50-3BI8TPZP58DLLotho-wdgDdismLR2Z0rO7sUmOrgGK18QPVTFY0xfD3cx6XXmrOKZIIhkfcXc4ImBtNF6edbnFYMX51QnLri1NNlUkgZ5WfV7-HJGLbZZ6r-ya7rE4c-0grCguu_90oHrBQaf7DYB8SQnv3C5C3oYVH4NqvkrCgrksV6yV_YcVYqzG0qYfWFny-fTZ-EaG_4gl23J4zzMCWTidCd0gE2g&amp;owa=outlook.live.com&amp;isc=1&amp;isImagePreview=True">
             <a:extLst>
               <a:ext uri="{FF2B5EF4-FFF2-40B4-BE49-F238E27FC236}">
-                <a16:creationId xmlns:a16="http://schemas.microsoft.com/office/drawing/2014/main" xmlns="" id="{918FAA86-D427-4546-8B15-3C0DABCB53E8}"/>
+                <a16:creationId xmlns="" xmlns:a16="http://schemas.microsoft.com/office/drawing/2014/main" id="{918FAA86-D427-4546-8B15-3C0DABCB53E8}"/>
               </a:ext>
             </a:extLst>
           </p:cNvPr>
@@ -5128,7 +5121,7 @@
           <p:cNvPr id="10" name="Rectangle 9">
             <a:extLst>
               <a:ext uri="{FF2B5EF4-FFF2-40B4-BE49-F238E27FC236}">
-                <a16:creationId xmlns:a16="http://schemas.microsoft.com/office/drawing/2014/main" xmlns="" id="{1843F708-66EA-404F-93DD-0C49C7D565C2}"/>
+                <a16:creationId xmlns="" xmlns:a16="http://schemas.microsoft.com/office/drawing/2014/main" id="{1843F708-66EA-404F-93DD-0C49C7D565C2}"/>
               </a:ext>
             </a:extLst>
           </p:cNvPr>
@@ -5180,7 +5173,7 @@
           <p:cNvPr id="11" name="Arrow: Right 10">
             <a:extLst>
               <a:ext uri="{FF2B5EF4-FFF2-40B4-BE49-F238E27FC236}">
-                <a16:creationId xmlns:a16="http://schemas.microsoft.com/office/drawing/2014/main" xmlns="" id="{8F45F3C0-538C-45B6-9958-F72AE046436C}"/>
+                <a16:creationId xmlns="" xmlns:a16="http://schemas.microsoft.com/office/drawing/2014/main" id="{8F45F3C0-538C-45B6-9958-F72AE046436C}"/>
               </a:ext>
             </a:extLst>
           </p:cNvPr>
@@ -5226,7 +5219,7 @@
           <p:cNvPr id="12" name="TextBox 11">
             <a:extLst>
               <a:ext uri="{FF2B5EF4-FFF2-40B4-BE49-F238E27FC236}">
-                <a16:creationId xmlns:a16="http://schemas.microsoft.com/office/drawing/2014/main" xmlns="" id="{F4988704-8B9D-46C9-86E4-DF6CE81BE5EC}"/>
+                <a16:creationId xmlns="" xmlns:a16="http://schemas.microsoft.com/office/drawing/2014/main" id="{F4988704-8B9D-46C9-86E4-DF6CE81BE5EC}"/>
               </a:ext>
             </a:extLst>
           </p:cNvPr>
@@ -5261,7 +5254,7 @@
           <p:cNvPr id="16" name="Group 15">
             <a:extLst>
               <a:ext uri="{FF2B5EF4-FFF2-40B4-BE49-F238E27FC236}">
-                <a16:creationId xmlns:a16="http://schemas.microsoft.com/office/drawing/2014/main" xmlns="" id="{72E4E14A-3151-416F-A9C6-C30EF8A2D521}"/>
+                <a16:creationId xmlns="" xmlns:a16="http://schemas.microsoft.com/office/drawing/2014/main" id="{72E4E14A-3151-416F-A9C6-C30EF8A2D521}"/>
               </a:ext>
             </a:extLst>
           </p:cNvPr>
@@ -5281,7 +5274,7 @@
             <p:cNvPr id="2054" name="Picture 6" descr="https://attachment.outlook.office.net/owa/sanjay.seshan@outlook.com/service.svc/s/GetFileAttachment?id=AQMkADAwATM3ZmYAZS1kMDcwLWIyNmQtMDACLTAwCgBGAAADTl%2Bxu6Ms7EO4q7pueYGWvQcARoeroH9A5k%2BRsZwhfqn3pQAAAgEMAAAARoeroH9A5k%2BRsZwhfqn3pQABsAOOdgAAAAESABAAJGHVIYUu6kedn%2Bt6XgxLvQ%3D%3D&amp;X-OWA-CANARY=44ziQW6GsEWdBkdXjSQdiHAFWR6P19QY74HZqjBC7eV0LvGojGzFCFifjGRyuezXYC0zrn2ZMGM.&amp;token=eyJ0eXAiOiJKV1QiLCJhbGciOiJSUzI1NiIsIng1dCI6ImVuaDlCSnJWUFU1aWpWMXFqWmpWLWZMMmJjbyJ9.eyJ2ZXIiOiJFeGNoYW5nZS5DYWxsYmFjay5WMSIsImFwcGN0eHNlbmRlciI6Ik93YURvd25sb2FkQDg0ZGY5ZTdmLWU5ZjYtNDBhZi1iNDM1LWFhYWFhYWFhYWFhYSIsImFwcGN0eCI6IntcIm1zZXhjaHByb3RcIjpcIm93YVwiLFwicHJpbWFyeXNpZFwiOlwiUy0xLTI4MjctMjI5Mzc0LTM0OTcwNDY2MzdcIixcInB1aWRcIjpcIjk4NTE1NzMyNTU5OTM0MVwiLFwib2lkXCI6XCIwMDAzN2ZmZS1kMDcwLWIyNmQtMDAwMC0wMDAwMDAwMDAwMDBcIixcInNjb3BlXCI6XCJPd2FEb3dubG9hZFwifSIsImlzcyI6IjAwMDAwMDAyLTAwMDAtMGZmMS1jZTAwLTAwMDAwMDAwMDAwMEA4NGRmOWU3Zi1lOWY2LTQwYWYtYjQzNS1hYWFhYWFhYWFhYWEiLCJhdWQiOiIwMDAwMDAwMi0wMDAwLTBmZjEtY2UwMC0wMDAwMDAwMDAwMDAvYXR0YWNobWVudC5vdXRsb29rLm9mZmljZS5uZXRAODRkZjllN2YtZTlmNi00MGFmLWI0MzUtYWFhYWFhYWFhYWFhIiwiZXhwIjoxNTAxNDQ5NTAyLCJuYmYiOjE1MDE0NDg5MDJ9.gmKE5tHjlg25p3ngImLpg77hLDJPLRcd3ZHKzGy9ow_mCJd3NEYRur2PeD8XamvZZKV_K7oNZElu41wfOoWa8qh0asubZXRVLwxnsju1tC3xnzj2LF50-3BI8TPZP58DLLotho-wdgDdismLR2Z0rO7sUmOrgGK18QPVTFY0xfD3cx6XXmrOKZIIhkfcXc4ImBtNF6edbnFYMX51QnLri1NNlUkgZ5WfV7-HJGLbZZ6r-ya7rE4c-0grCguu_90oHrBQaf7DYB8SQnv3C5C3oYVH4NqvkrCgrksV6yV_YcVYqzG0qYfWFny-fTZ-EaG_4gl23J4zzMCWTidCd0gE2g&amp;owa=outlook.live.com&amp;isc=1&amp;isImagePreview=True">
               <a:extLst>
                 <a:ext uri="{FF2B5EF4-FFF2-40B4-BE49-F238E27FC236}">
-                  <a16:creationId xmlns:a16="http://schemas.microsoft.com/office/drawing/2014/main" xmlns="" id="{6B771F40-4B8F-4421-BA42-C031109DD80A}"/>
+                  <a16:creationId xmlns="" xmlns:a16="http://schemas.microsoft.com/office/drawing/2014/main" id="{6B771F40-4B8F-4421-BA42-C031109DD80A}"/>
                 </a:ext>
               </a:extLst>
             </p:cNvPr>
@@ -5328,7 +5321,7 @@
             <p:cNvPr id="18" name="TextBox 17">
               <a:extLst>
                 <a:ext uri="{FF2B5EF4-FFF2-40B4-BE49-F238E27FC236}">
-                  <a16:creationId xmlns:a16="http://schemas.microsoft.com/office/drawing/2014/main" xmlns="" id="{2A46AFFA-E271-44F2-9C76-634B5DE086A5}"/>
+                  <a16:creationId xmlns="" xmlns:a16="http://schemas.microsoft.com/office/drawing/2014/main" id="{2A46AFFA-E271-44F2-9C76-634B5DE086A5}"/>
                 </a:ext>
               </a:extLst>
             </p:cNvPr>
@@ -5363,7 +5356,7 @@
             <p:cNvPr id="19" name="Rectangle 18">
               <a:extLst>
                 <a:ext uri="{FF2B5EF4-FFF2-40B4-BE49-F238E27FC236}">
-                  <a16:creationId xmlns:a16="http://schemas.microsoft.com/office/drawing/2014/main" xmlns="" id="{F39EDC63-49C8-4EE6-9060-2FCB14EE7AE0}"/>
+                  <a16:creationId xmlns="" xmlns:a16="http://schemas.microsoft.com/office/drawing/2014/main" id="{F39EDC63-49C8-4EE6-9060-2FCB14EE7AE0}"/>
                 </a:ext>
               </a:extLst>
             </p:cNvPr>
@@ -5416,7 +5409,7 @@
           <p:cNvPr id="2060" name="Picture 12" descr="https://attachment.outlook.office.net/owa/sanjay.seshan@outlook.com/service.svc/s/GetFileAttachment?id=AQMkADAwATM3ZmYAZS1kMDcwLWIyNmQtMDACLTAwCgBGAAADTl%2Bxu6Ms7EO4q7pueYGWvQcARoeroH9A5k%2BRsZwhfqn3pQAAAgEMAAAARoeroH9A5k%2BRsZwhfqn3pQABsAOOdgAAAAESABAA%2FbAGoB7WTUqjbPm5CciR1A%3D%3D&amp;X-OWA-CANARY=44ziQW6GsEWdBkdXjSQdiHAFWR6P19QY74HZqjBC7eV0LvGojGzFCFifjGRyuezXYC0zrn2ZMGM.&amp;token=eyJ0eXAiOiJKV1QiLCJhbGciOiJSUzI1NiIsIng1dCI6ImVuaDlCSnJWUFU1aWpWMXFqWmpWLWZMMmJjbyJ9.eyJ2ZXIiOiJFeGNoYW5nZS5DYWxsYmFjay5WMSIsImFwcGN0eHNlbmRlciI6Ik93YURvd25sb2FkQDg0ZGY5ZTdmLWU5ZjYtNDBhZi1iNDM1LWFhYWFhYWFhYWFhYSIsImFwcGN0eCI6IntcIm1zZXhjaHByb3RcIjpcIm93YVwiLFwicHJpbWFyeXNpZFwiOlwiUy0xLTI4MjctMjI5Mzc0LTM0OTcwNDY2MzdcIixcInB1aWRcIjpcIjk4NTE1NzMyNTU5OTM0MVwiLFwib2lkXCI6XCIwMDAzN2ZmZS1kMDcwLWIyNmQtMDAwMC0wMDAwMDAwMDAwMDBcIixcInNjb3BlXCI6XCJPd2FEb3dubG9hZFwifSIsImlzcyI6IjAwMDAwMDAyLTAwMDAtMGZmMS1jZTAwLTAwMDAwMDAwMDAwMEA4NGRmOWU3Zi1lOWY2LTQwYWYtYjQzNS1hYWFhYWFhYWFhYWEiLCJhdWQiOiIwMDAwMDAwMi0wMDAwLTBmZjEtY2UwMC0wMDAwMDAwMDAwMDAvYXR0YWNobWVudC5vdXRsb29rLm9mZmljZS5uZXRAODRkZjllN2YtZTlmNi00MGFmLWI0MzUtYWFhYWFhYWFhYWFhIiwiZXhwIjoxNTAxNDQ5NTAyLCJuYmYiOjE1MDE0NDg5MDJ9.gmKE5tHjlg25p3ngImLpg77hLDJPLRcd3ZHKzGy9ow_mCJd3NEYRur2PeD8XamvZZKV_K7oNZElu41wfOoWa8qh0asubZXRVLwxnsju1tC3xnzj2LF50-3BI8TPZP58DLLotho-wdgDdismLR2Z0rO7sUmOrgGK18QPVTFY0xfD3cx6XXmrOKZIIhkfcXc4ImBtNF6edbnFYMX51QnLri1NNlUkgZ5WfV7-HJGLbZZ6r-ya7rE4c-0grCguu_90oHrBQaf7DYB8SQnv3C5C3oYVH4NqvkrCgrksV6yV_YcVYqzG0qYfWFny-fTZ-EaG_4gl23J4zzMCWTidCd0gE2g&amp;owa=outlook.live.com&amp;isc=1&amp;isImagePreview=True">
             <a:extLst>
               <a:ext uri="{FF2B5EF4-FFF2-40B4-BE49-F238E27FC236}">
-                <a16:creationId xmlns:a16="http://schemas.microsoft.com/office/drawing/2014/main" xmlns="" id="{C4D43D69-5360-41BD-8D92-4A62986E8220}"/>
+                <a16:creationId xmlns="" xmlns:a16="http://schemas.microsoft.com/office/drawing/2014/main" id="{C4D43D69-5360-41BD-8D92-4A62986E8220}"/>
               </a:ext>
             </a:extLst>
           </p:cNvPr>
@@ -5463,7 +5456,7 @@
           <p:cNvPr id="24" name="Rectangle 23">
             <a:extLst>
               <a:ext uri="{FF2B5EF4-FFF2-40B4-BE49-F238E27FC236}">
-                <a16:creationId xmlns:a16="http://schemas.microsoft.com/office/drawing/2014/main" xmlns="" id="{A947964E-DA8F-4705-90CC-A064B90CD715}"/>
+                <a16:creationId xmlns="" xmlns:a16="http://schemas.microsoft.com/office/drawing/2014/main" id="{A947964E-DA8F-4705-90CC-A064B90CD715}"/>
               </a:ext>
             </a:extLst>
           </p:cNvPr>
@@ -5515,7 +5508,7 @@
           <p:cNvPr id="26" name="TextBox 25">
             <a:extLst>
               <a:ext uri="{FF2B5EF4-FFF2-40B4-BE49-F238E27FC236}">
-                <a16:creationId xmlns:a16="http://schemas.microsoft.com/office/drawing/2014/main" xmlns="" id="{2A6038CA-CB10-4A9D-A213-1B4A839A08DC}"/>
+                <a16:creationId xmlns="" xmlns:a16="http://schemas.microsoft.com/office/drawing/2014/main" id="{2A6038CA-CB10-4A9D-A213-1B4A839A08DC}"/>
               </a:ext>
             </a:extLst>
           </p:cNvPr>
@@ -5550,7 +5543,7 @@
           <p:cNvPr id="17" name="Arrow: Down 16">
             <a:extLst>
               <a:ext uri="{FF2B5EF4-FFF2-40B4-BE49-F238E27FC236}">
-                <a16:creationId xmlns:a16="http://schemas.microsoft.com/office/drawing/2014/main" xmlns="" id="{C03075BF-4FE8-4E43-88AF-20E9A9B50C65}"/>
+                <a16:creationId xmlns="" xmlns:a16="http://schemas.microsoft.com/office/drawing/2014/main" id="{C03075BF-4FE8-4E43-88AF-20E9A9B50C65}"/>
               </a:ext>
             </a:extLst>
           </p:cNvPr>
@@ -5596,7 +5589,7 @@
           <p:cNvPr id="30" name="TextBox 29">
             <a:extLst>
               <a:ext uri="{FF2B5EF4-FFF2-40B4-BE49-F238E27FC236}">
-                <a16:creationId xmlns:a16="http://schemas.microsoft.com/office/drawing/2014/main" xmlns="" id="{EF9D1460-15EC-4B14-8B34-82348B0F08DB}"/>
+                <a16:creationId xmlns="" xmlns:a16="http://schemas.microsoft.com/office/drawing/2014/main" id="{EF9D1460-15EC-4B14-8B34-82348B0F08DB}"/>
               </a:ext>
             </a:extLst>
           </p:cNvPr>
@@ -5631,7 +5624,7 @@
           <p:cNvPr id="22" name="Arrow: Right 21">
             <a:extLst>
               <a:ext uri="{FF2B5EF4-FFF2-40B4-BE49-F238E27FC236}">
-                <a16:creationId xmlns:a16="http://schemas.microsoft.com/office/drawing/2014/main" xmlns="" id="{EB9E6A8F-5581-4CA6-864B-7334A8317E03}"/>
+                <a16:creationId xmlns="" xmlns:a16="http://schemas.microsoft.com/office/drawing/2014/main" id="{EB9E6A8F-5581-4CA6-864B-7334A8317E03}"/>
               </a:ext>
             </a:extLst>
           </p:cNvPr>
@@ -5677,7 +5670,7 @@
           <p:cNvPr id="23" name="Footer Placeholder 22">
             <a:extLst>
               <a:ext uri="{FF2B5EF4-FFF2-40B4-BE49-F238E27FC236}">
-                <a16:creationId xmlns:a16="http://schemas.microsoft.com/office/drawing/2014/main" xmlns="" id="{42000A9C-9131-4953-A27C-E9EFBE3182F9}"/>
+                <a16:creationId xmlns="" xmlns:a16="http://schemas.microsoft.com/office/drawing/2014/main" id="{42000A9C-9131-4953-A27C-E9EFBE3182F9}"/>
               </a:ext>
             </a:extLst>
           </p:cNvPr>
@@ -5705,7 +5698,7 @@
           <p:cNvPr id="25" name="Slide Number Placeholder 24">
             <a:extLst>
               <a:ext uri="{FF2B5EF4-FFF2-40B4-BE49-F238E27FC236}">
-                <a16:creationId xmlns:a16="http://schemas.microsoft.com/office/drawing/2014/main" xmlns="" id="{BF1D8895-74DA-4882-A189-3A22407850D3}"/>
+                <a16:creationId xmlns="" xmlns:a16="http://schemas.microsoft.com/office/drawing/2014/main" id="{BF1D8895-74DA-4882-A189-3A22407850D3}"/>
               </a:ext>
             </a:extLst>
           </p:cNvPr>
@@ -5734,7 +5727,7 @@
           <p:cNvPr id="27" name="Date Placeholder 26">
             <a:extLst>
               <a:ext uri="{FF2B5EF4-FFF2-40B4-BE49-F238E27FC236}">
-                <a16:creationId xmlns:a16="http://schemas.microsoft.com/office/drawing/2014/main" xmlns="" id="{4636538C-067B-4766-87BE-7195772A38B6}"/>
+                <a16:creationId xmlns="" xmlns:a16="http://schemas.microsoft.com/office/drawing/2014/main" id="{4636538C-067B-4766-87BE-7195772A38B6}"/>
               </a:ext>
             </a:extLst>
           </p:cNvPr>
@@ -5752,7 +5745,7 @@
           <a:p>
             <a:fld id="{62994A92-5DF0-42BA-9424-43B0FE4A58B8}" type="datetime4">
               <a:rPr lang="en-US" smtClean="0"/>
-              <a:t>July 31, 2017</a:t>
+              <a:t>August 4, 2017</a:t>
             </a:fld>
             <a:endParaRPr lang="en-US"/>
           </a:p>
@@ -5763,7 +5756,7 @@
           <p:cNvPr id="21" name="Content Placeholder 2">
             <a:extLst>
               <a:ext uri="{FF2B5EF4-FFF2-40B4-BE49-F238E27FC236}">
-                <a16:creationId xmlns:a16="http://schemas.microsoft.com/office/drawing/2014/main" xmlns="" id="{8E0D723D-E46A-4BDD-8B82-EA962848EAD4}"/>
+                <a16:creationId xmlns="" xmlns:a16="http://schemas.microsoft.com/office/drawing/2014/main" id="{8E0D723D-E46A-4BDD-8B82-EA962848EAD4}"/>
               </a:ext>
             </a:extLst>
           </p:cNvPr>
@@ -5833,7 +5826,7 @@
           <p:cNvPr id="2" name="Title 1">
             <a:extLst>
               <a:ext uri="{FF2B5EF4-FFF2-40B4-BE49-F238E27FC236}">
-                <a16:creationId xmlns:a16="http://schemas.microsoft.com/office/drawing/2014/main" xmlns="" id="{E20B6521-07DA-4B40-BBF6-93622540B1B3}"/>
+                <a16:creationId xmlns="" xmlns:a16="http://schemas.microsoft.com/office/drawing/2014/main" id="{E20B6521-07DA-4B40-BBF6-93622540B1B3}"/>
               </a:ext>
             </a:extLst>
           </p:cNvPr>
@@ -5861,7 +5854,7 @@
           <p:cNvPr id="3" name="Text Placeholder 2">
             <a:extLst>
               <a:ext uri="{FF2B5EF4-FFF2-40B4-BE49-F238E27FC236}">
-                <a16:creationId xmlns:a16="http://schemas.microsoft.com/office/drawing/2014/main" xmlns="" id="{3A6A0901-E237-4559-99F0-9B72D5859AE8}"/>
+                <a16:creationId xmlns="" xmlns:a16="http://schemas.microsoft.com/office/drawing/2014/main" id="{3A6A0901-E237-4559-99F0-9B72D5859AE8}"/>
               </a:ext>
             </a:extLst>
           </p:cNvPr>
@@ -5886,7 +5879,7 @@
           <p:cNvPr id="4" name="Footer Placeholder 3">
             <a:extLst>
               <a:ext uri="{FF2B5EF4-FFF2-40B4-BE49-F238E27FC236}">
-                <a16:creationId xmlns:a16="http://schemas.microsoft.com/office/drawing/2014/main" xmlns="" id="{5EC8C363-7FE8-4158-94A0-E970A1445C90}"/>
+                <a16:creationId xmlns="" xmlns:a16="http://schemas.microsoft.com/office/drawing/2014/main" id="{5EC8C363-7FE8-4158-94A0-E970A1445C90}"/>
               </a:ext>
             </a:extLst>
           </p:cNvPr>
@@ -5914,7 +5907,7 @@
           <p:cNvPr id="5" name="Slide Number Placeholder 4">
             <a:extLst>
               <a:ext uri="{FF2B5EF4-FFF2-40B4-BE49-F238E27FC236}">
-                <a16:creationId xmlns:a16="http://schemas.microsoft.com/office/drawing/2014/main" xmlns="" id="{A8C01C25-4870-4D12-B520-659FE9C9F3DA}"/>
+                <a16:creationId xmlns="" xmlns:a16="http://schemas.microsoft.com/office/drawing/2014/main" id="{A8C01C25-4870-4D12-B520-659FE9C9F3DA}"/>
               </a:ext>
             </a:extLst>
           </p:cNvPr>
@@ -5943,7 +5936,7 @@
           <p:cNvPr id="6" name="Date Placeholder 5">
             <a:extLst>
               <a:ext uri="{FF2B5EF4-FFF2-40B4-BE49-F238E27FC236}">
-                <a16:creationId xmlns:a16="http://schemas.microsoft.com/office/drawing/2014/main" xmlns="" id="{E78C974B-F880-44BC-98A3-B20E955E8573}"/>
+                <a16:creationId xmlns="" xmlns:a16="http://schemas.microsoft.com/office/drawing/2014/main" id="{E78C974B-F880-44BC-98A3-B20E955E8573}"/>
               </a:ext>
             </a:extLst>
           </p:cNvPr>
@@ -5961,7 +5954,7 @@
           <a:p>
             <a:fld id="{8CD747F0-011A-4F66-A05D-E74C3586D1DA}" type="datetime4">
               <a:rPr lang="en-US" smtClean="0"/>
-              <a:t>July 31, 2017</a:t>
+              <a:t>August 4, 2017</a:t>
             </a:fld>
             <a:endParaRPr lang="en-US"/>
           </a:p>
@@ -6002,7 +5995,7 @@
           <p:cNvPr id="2" name="Title 1">
             <a:extLst>
               <a:ext uri="{FF2B5EF4-FFF2-40B4-BE49-F238E27FC236}">
-                <a16:creationId xmlns:a16="http://schemas.microsoft.com/office/drawing/2014/main" xmlns="" id="{70F3F4D5-86E3-4F6A-BD3A-50C71288CA40}"/>
+                <a16:creationId xmlns="" xmlns:a16="http://schemas.microsoft.com/office/drawing/2014/main" id="{70F3F4D5-86E3-4F6A-BD3A-50C71288CA40}"/>
               </a:ext>
             </a:extLst>
           </p:cNvPr>
@@ -6030,7 +6023,7 @@
           <p:cNvPr id="3" name="Content Placeholder 2">
             <a:extLst>
               <a:ext uri="{FF2B5EF4-FFF2-40B4-BE49-F238E27FC236}">
-                <a16:creationId xmlns:a16="http://schemas.microsoft.com/office/drawing/2014/main" xmlns="" id="{8B587EC8-DAB4-4AE4-B5B7-5D6371E6D01D}"/>
+                <a16:creationId xmlns="" xmlns:a16="http://schemas.microsoft.com/office/drawing/2014/main" id="{8B587EC8-DAB4-4AE4-B5B7-5D6371E6D01D}"/>
               </a:ext>
             </a:extLst>
           </p:cNvPr>
@@ -6112,7 +6105,7 @@
             <a:hlinkClick r:id="rId2"/>
             <a:extLst>
               <a:ext uri="{FF2B5EF4-FFF2-40B4-BE49-F238E27FC236}">
-                <a16:creationId xmlns:a16="http://schemas.microsoft.com/office/drawing/2014/main" xmlns="" id="{CC3A51E5-F54A-4306-8069-2AB9A520B179}"/>
+                <a16:creationId xmlns="" xmlns:a16="http://schemas.microsoft.com/office/drawing/2014/main" id="{CC3A51E5-F54A-4306-8069-2AB9A520B179}"/>
               </a:ext>
             </a:extLst>
           </p:cNvPr>
@@ -6159,7 +6152,7 @@
           <p:cNvPr id="5" name="Footer Placeholder 4">
             <a:extLst>
               <a:ext uri="{FF2B5EF4-FFF2-40B4-BE49-F238E27FC236}">
-                <a16:creationId xmlns:a16="http://schemas.microsoft.com/office/drawing/2014/main" xmlns="" id="{25844B05-4872-4A8E-938B-2F36441E76CC}"/>
+                <a16:creationId xmlns="" xmlns:a16="http://schemas.microsoft.com/office/drawing/2014/main" id="{25844B05-4872-4A8E-938B-2F36441E76CC}"/>
               </a:ext>
             </a:extLst>
           </p:cNvPr>
@@ -6187,7 +6180,7 @@
           <p:cNvPr id="6" name="Slide Number Placeholder 5">
             <a:extLst>
               <a:ext uri="{FF2B5EF4-FFF2-40B4-BE49-F238E27FC236}">
-                <a16:creationId xmlns:a16="http://schemas.microsoft.com/office/drawing/2014/main" xmlns="" id="{9BF9EBF6-0766-4549-BFF2-64E4860D8218}"/>
+                <a16:creationId xmlns="" xmlns:a16="http://schemas.microsoft.com/office/drawing/2014/main" id="{9BF9EBF6-0766-4549-BFF2-64E4860D8218}"/>
               </a:ext>
             </a:extLst>
           </p:cNvPr>
@@ -6216,7 +6209,7 @@
           <p:cNvPr id="8" name="Date Placeholder 7">
             <a:extLst>
               <a:ext uri="{FF2B5EF4-FFF2-40B4-BE49-F238E27FC236}">
-                <a16:creationId xmlns:a16="http://schemas.microsoft.com/office/drawing/2014/main" xmlns="" id="{EB77DC1F-3AE0-4DDE-AFAF-81EFD8275D15}"/>
+                <a16:creationId xmlns="" xmlns:a16="http://schemas.microsoft.com/office/drawing/2014/main" id="{EB77DC1F-3AE0-4DDE-AFAF-81EFD8275D15}"/>
               </a:ext>
             </a:extLst>
           </p:cNvPr>
@@ -6234,7 +6227,7 @@
           <a:p>
             <a:fld id="{6ED5DCDC-1C2C-4DB3-BF4D-3211522725F0}" type="datetime4">
               <a:rPr lang="en-US" smtClean="0"/>
-              <a:t>July 31, 2017</a:t>
+              <a:t>August 4, 2017</a:t>
             </a:fld>
             <a:endParaRPr lang="en-US"/>
           </a:p>
@@ -6245,7 +6238,7 @@
           <p:cNvPr id="11" name="Picture 10" descr="A screenshot of a cell phone&#10;&#10;Description generated with very high confidence">
             <a:extLst>
               <a:ext uri="{FF2B5EF4-FFF2-40B4-BE49-F238E27FC236}">
-                <a16:creationId xmlns:a16="http://schemas.microsoft.com/office/drawing/2014/main" xmlns="" id="{C4F9215C-2268-4E9F-9297-30B4C2DA727D}"/>
+                <a16:creationId xmlns="" xmlns:a16="http://schemas.microsoft.com/office/drawing/2014/main" id="{C4F9215C-2268-4E9F-9297-30B4C2DA727D}"/>
               </a:ext>
             </a:extLst>
           </p:cNvPr>
